--- a/2. Jenkins - Getting started.pptx
+++ b/2. Jenkins - Getting started.pptx
@@ -5434,7 +5434,7 @@
         <p:spPr/>
         <p:txBody>
           <a:bodyPr>
-            <a:normAutofit lnSpcReduction="10000"/>
+            <a:normAutofit fontScale="92500" lnSpcReduction="10000"/>
           </a:bodyPr>
           <a:lstStyle/>
           <a:p>
@@ -5515,7 +5515,23 @@
             </a:r>
             <a:r>
               <a:rPr lang="en-IN" dirty="0"/>
-              <a:t> and running it.</a:t>
+              <a:t> and running it. Add the </a:t>
+            </a:r>
+            <a:r>
+              <a:rPr lang="en-IN" dirty="0" err="1"/>
+              <a:t>presteps</a:t>
+            </a:r>
+            <a:r>
+              <a:rPr lang="en-IN" dirty="0"/>
+              <a:t> and </a:t>
+            </a:r>
+            <a:r>
+              <a:rPr lang="en-IN" dirty="0" err="1"/>
+              <a:t>poststeps</a:t>
+            </a:r>
+            <a:r>
+              <a:rPr lang="en-IN" dirty="0"/>
+              <a:t>.</a:t>
             </a:r>
           </a:p>
           <a:p>

--- a/2. Jenkins - Getting started.pptx
+++ b/2. Jenkins - Getting started.pptx
@@ -16,7 +16,9 @@
     <p:sldId id="264" r:id="rId10"/>
     <p:sldId id="265" r:id="rId11"/>
     <p:sldId id="266" r:id="rId12"/>
-    <p:sldId id="267" r:id="rId13"/>
+    <p:sldId id="268" r:id="rId13"/>
+    <p:sldId id="269" r:id="rId14"/>
+    <p:sldId id="267" r:id="rId15"/>
   </p:sldIdLst>
   <p:sldSz cx="12192000" cy="6858000"/>
   <p:notesSz cx="6858000" cy="9144000"/>
@@ -115,6 +117,11 @@
       </a:defRPr>
     </a:lvl9pPr>
   </p:defaultTextStyle>
+  <p:extLst>
+    <p:ext uri="{EFAFB233-063F-42B5-8137-9DF3F51BA10A}">
+      <p15:sldGuideLst xmlns:p15="http://schemas.microsoft.com/office/powerpoint/2012/main"/>
+    </p:ext>
+  </p:extLst>
 </p:presentation>
 </file>
 
@@ -267,7 +274,7 @@
           <a:p>
             <a:fld id="{24B9DFAD-7D01-40A3-B29B-4C84583586C5}" type="datetimeFigureOut">
               <a:rPr lang="en-IN" smtClean="0"/>
-              <a:t>02-10-2024</a:t>
+              <a:t>16-10-2024</a:t>
             </a:fld>
             <a:endParaRPr lang="en-IN"/>
           </a:p>
@@ -467,7 +474,7 @@
           <a:p>
             <a:fld id="{24B9DFAD-7D01-40A3-B29B-4C84583586C5}" type="datetimeFigureOut">
               <a:rPr lang="en-IN" smtClean="0"/>
-              <a:t>02-10-2024</a:t>
+              <a:t>16-10-2024</a:t>
             </a:fld>
             <a:endParaRPr lang="en-IN"/>
           </a:p>
@@ -677,7 +684,7 @@
           <a:p>
             <a:fld id="{24B9DFAD-7D01-40A3-B29B-4C84583586C5}" type="datetimeFigureOut">
               <a:rPr lang="en-IN" smtClean="0"/>
-              <a:t>02-10-2024</a:t>
+              <a:t>16-10-2024</a:t>
             </a:fld>
             <a:endParaRPr lang="en-IN"/>
           </a:p>
@@ -877,7 +884,7 @@
           <a:p>
             <a:fld id="{24B9DFAD-7D01-40A3-B29B-4C84583586C5}" type="datetimeFigureOut">
               <a:rPr lang="en-IN" smtClean="0"/>
-              <a:t>02-10-2024</a:t>
+              <a:t>16-10-2024</a:t>
             </a:fld>
             <a:endParaRPr lang="en-IN"/>
           </a:p>
@@ -1153,7 +1160,7 @@
           <a:p>
             <a:fld id="{24B9DFAD-7D01-40A3-B29B-4C84583586C5}" type="datetimeFigureOut">
               <a:rPr lang="en-IN" smtClean="0"/>
-              <a:t>02-10-2024</a:t>
+              <a:t>16-10-2024</a:t>
             </a:fld>
             <a:endParaRPr lang="en-IN"/>
           </a:p>
@@ -1421,7 +1428,7 @@
           <a:p>
             <a:fld id="{24B9DFAD-7D01-40A3-B29B-4C84583586C5}" type="datetimeFigureOut">
               <a:rPr lang="en-IN" smtClean="0"/>
-              <a:t>02-10-2024</a:t>
+              <a:t>16-10-2024</a:t>
             </a:fld>
             <a:endParaRPr lang="en-IN"/>
           </a:p>
@@ -1836,7 +1843,7 @@
           <a:p>
             <a:fld id="{24B9DFAD-7D01-40A3-B29B-4C84583586C5}" type="datetimeFigureOut">
               <a:rPr lang="en-IN" smtClean="0"/>
-              <a:t>02-10-2024</a:t>
+              <a:t>16-10-2024</a:t>
             </a:fld>
             <a:endParaRPr lang="en-IN"/>
           </a:p>
@@ -1978,7 +1985,7 @@
           <a:p>
             <a:fld id="{24B9DFAD-7D01-40A3-B29B-4C84583586C5}" type="datetimeFigureOut">
               <a:rPr lang="en-IN" smtClean="0"/>
-              <a:t>02-10-2024</a:t>
+              <a:t>16-10-2024</a:t>
             </a:fld>
             <a:endParaRPr lang="en-IN"/>
           </a:p>
@@ -2091,7 +2098,7 @@
           <a:p>
             <a:fld id="{24B9DFAD-7D01-40A3-B29B-4C84583586C5}" type="datetimeFigureOut">
               <a:rPr lang="en-IN" smtClean="0"/>
-              <a:t>02-10-2024</a:t>
+              <a:t>16-10-2024</a:t>
             </a:fld>
             <a:endParaRPr lang="en-IN"/>
           </a:p>
@@ -2404,7 +2411,7 @@
           <a:p>
             <a:fld id="{24B9DFAD-7D01-40A3-B29B-4C84583586C5}" type="datetimeFigureOut">
               <a:rPr lang="en-IN" smtClean="0"/>
-              <a:t>02-10-2024</a:t>
+              <a:t>16-10-2024</a:t>
             </a:fld>
             <a:endParaRPr lang="en-IN"/>
           </a:p>
@@ -2693,7 +2700,7 @@
           <a:p>
             <a:fld id="{24B9DFAD-7D01-40A3-B29B-4C84583586C5}" type="datetimeFigureOut">
               <a:rPr lang="en-IN" smtClean="0"/>
-              <a:t>02-10-2024</a:t>
+              <a:t>16-10-2024</a:t>
             </a:fld>
             <a:endParaRPr lang="en-IN"/>
           </a:p>
@@ -2936,7 +2943,7 @@
           <a:p>
             <a:fld id="{24B9DFAD-7D01-40A3-B29B-4C84583586C5}" type="datetimeFigureOut">
               <a:rPr lang="en-IN" smtClean="0"/>
-              <a:t>02-10-2024</a:t>
+              <a:t>16-10-2024</a:t>
             </a:fld>
             <a:endParaRPr lang="en-IN"/>
           </a:p>
@@ -4015,6 +4022,458 @@
       </p:grpSpPr>
       <p:sp>
         <p:nvSpPr>
+          <p:cNvPr id="2" name="Title 1">
+            <a:extLst>
+              <a:ext uri="{FF2B5EF4-FFF2-40B4-BE49-F238E27FC236}">
+                <a16:creationId xmlns:a16="http://schemas.microsoft.com/office/drawing/2014/main" id="{D6E0A46C-8AC2-9970-954F-524C0DCE1D05}"/>
+              </a:ext>
+            </a:extLst>
+          </p:cNvPr>
+          <p:cNvSpPr>
+            <a:spLocks noGrp="1"/>
+          </p:cNvSpPr>
+          <p:nvPr>
+            <p:ph type="title"/>
+          </p:nvPr>
+        </p:nvSpPr>
+        <p:spPr/>
+        <p:txBody>
+          <a:bodyPr/>
+          <a:lstStyle/>
+          <a:p>
+            <a:r>
+              <a:rPr lang="en-IN" dirty="0"/>
+              <a:t>Jenkins CI/CD</a:t>
+            </a:r>
+          </a:p>
+        </p:txBody>
+      </p:sp>
+      <p:sp>
+        <p:nvSpPr>
+          <p:cNvPr id="3" name="Content Placeholder 2">
+            <a:extLst>
+              <a:ext uri="{FF2B5EF4-FFF2-40B4-BE49-F238E27FC236}">
+                <a16:creationId xmlns:a16="http://schemas.microsoft.com/office/drawing/2014/main" id="{8DC04C8D-118F-46FF-F8ED-A29B80C3F647}"/>
+              </a:ext>
+            </a:extLst>
+          </p:cNvPr>
+          <p:cNvSpPr>
+            <a:spLocks noGrp="1"/>
+          </p:cNvSpPr>
+          <p:nvPr>
+            <p:ph idx="1"/>
+          </p:nvPr>
+        </p:nvSpPr>
+        <p:spPr/>
+        <p:txBody>
+          <a:bodyPr>
+            <a:normAutofit fontScale="92500" lnSpcReduction="20000"/>
+          </a:bodyPr>
+          <a:lstStyle/>
+          <a:p>
+            <a:pPr marL="0" indent="0">
+              <a:buNone/>
+            </a:pPr>
+            <a:r>
+              <a:rPr lang="en-IN" dirty="0"/>
+              <a:t>Steps</a:t>
+            </a:r>
+          </a:p>
+          <a:p>
+            <a:pPr marL="514350" indent="-514350">
+              <a:buFont typeface="+mj-lt"/>
+              <a:buAutoNum type="arabicPeriod"/>
+            </a:pPr>
+            <a:r>
+              <a:rPr lang="en-US" dirty="0"/>
+              <a:t>Expose Jenkins to internet </a:t>
+            </a:r>
+          </a:p>
+          <a:p>
+            <a:pPr lvl="1"/>
+            <a:r>
+              <a:rPr lang="en-US" dirty="0"/>
+              <a:t>Use </a:t>
+            </a:r>
+            <a:r>
+              <a:rPr lang="en-US" dirty="0" err="1"/>
+              <a:t>ngrok</a:t>
+            </a:r>
+            <a:r>
+              <a:rPr lang="en-US" dirty="0"/>
+              <a:t>, download </a:t>
+            </a:r>
+            <a:r>
+              <a:rPr lang="en-US" dirty="0" err="1"/>
+              <a:t>ngrok</a:t>
+            </a:r>
+            <a:r>
+              <a:rPr lang="en-US" dirty="0"/>
+              <a:t> from https://ngrok.com/download</a:t>
+            </a:r>
+          </a:p>
+          <a:p>
+            <a:pPr lvl="1"/>
+            <a:r>
+              <a:rPr lang="en-US" dirty="0"/>
+              <a:t>In </a:t>
+            </a:r>
+            <a:r>
+              <a:rPr lang="en-US" dirty="0" err="1"/>
+              <a:t>cmd</a:t>
+            </a:r>
+            <a:r>
+              <a:rPr lang="en-US" dirty="0"/>
+              <a:t>, navigate to the folder where ngrok.exe file is. </a:t>
+            </a:r>
+          </a:p>
+          <a:p>
+            <a:pPr lvl="1"/>
+            <a:r>
+              <a:rPr lang="en-US" dirty="0"/>
+              <a:t>Expose the 8080 port of Jenkins by running the command </a:t>
+            </a:r>
+          </a:p>
+          <a:p>
+            <a:pPr marL="457200" lvl="1" indent="0">
+              <a:buNone/>
+            </a:pPr>
+            <a:r>
+              <a:rPr lang="en-US" dirty="0"/>
+              <a:t>		</a:t>
+            </a:r>
+            <a:r>
+              <a:rPr lang="en-US" dirty="0" err="1"/>
+              <a:t>ngrok</a:t>
+            </a:r>
+            <a:r>
+              <a:rPr lang="en-US" dirty="0"/>
+              <a:t> http 8080</a:t>
+            </a:r>
+          </a:p>
+          <a:p>
+            <a:pPr lvl="1"/>
+            <a:r>
+              <a:rPr lang="en-US" dirty="0"/>
+              <a:t>This will give us a </a:t>
+            </a:r>
+            <a:r>
+              <a:rPr lang="en-US" dirty="0" err="1"/>
+              <a:t>url</a:t>
+            </a:r>
+            <a:r>
+              <a:rPr lang="en-US" dirty="0"/>
+              <a:t> something like </a:t>
+            </a:r>
+          </a:p>
+          <a:p>
+            <a:pPr marL="457200" lvl="1" indent="0">
+              <a:buNone/>
+            </a:pPr>
+            <a:r>
+              <a:rPr lang="en-US" dirty="0"/>
+              <a:t>		</a:t>
+            </a:r>
+            <a:r>
+              <a:rPr lang="en-US" dirty="0">
+                <a:hlinkClick r:id="rId2"/>
+              </a:rPr>
+              <a:t>https://db78-167-103-7-80.ngrok-free.app</a:t>
+            </a:r>
+            <a:endParaRPr lang="en-US" dirty="0"/>
+          </a:p>
+          <a:p>
+            <a:pPr marL="457200" indent="-457200">
+              <a:buFont typeface="+mj-lt"/>
+              <a:buAutoNum type="arabicPeriod"/>
+            </a:pPr>
+            <a:r>
+              <a:rPr lang="en-US" dirty="0"/>
+              <a:t>Enable GitHub webhook trigger</a:t>
+            </a:r>
+          </a:p>
+          <a:p>
+            <a:pPr lvl="1"/>
+            <a:r>
+              <a:rPr lang="en-US" dirty="0"/>
+              <a:t>Configure Jenkins pipeline job</a:t>
+            </a:r>
+          </a:p>
+          <a:p>
+            <a:pPr lvl="1"/>
+            <a:r>
+              <a:rPr lang="en-US" dirty="0"/>
+              <a:t>Go to Build Triggers</a:t>
+            </a:r>
+          </a:p>
+          <a:p>
+            <a:pPr lvl="1"/>
+            <a:r>
+              <a:rPr lang="en-US" dirty="0"/>
+              <a:t>Then check "GitHub hook trigger for </a:t>
+            </a:r>
+            <a:r>
+              <a:rPr lang="en-US" dirty="0" err="1"/>
+              <a:t>GITScm</a:t>
+            </a:r>
+            <a:r>
+              <a:rPr lang="en-US" dirty="0"/>
+              <a:t> polling"</a:t>
+            </a:r>
+          </a:p>
+          <a:p>
+            <a:pPr lvl="1"/>
+            <a:r>
+              <a:rPr lang="en-US" dirty="0"/>
+              <a:t>Then save the job</a:t>
+            </a:r>
+            <a:endParaRPr lang="en-IN" dirty="0"/>
+          </a:p>
+        </p:txBody>
+      </p:sp>
+    </p:spTree>
+    <p:extLst>
+      <p:ext uri="{BB962C8B-B14F-4D97-AF65-F5344CB8AC3E}">
+        <p14:creationId xmlns:p14="http://schemas.microsoft.com/office/powerpoint/2010/main" val="816538256"/>
+      </p:ext>
+    </p:extLst>
+  </p:cSld>
+  <p:clrMapOvr>
+    <a:masterClrMapping/>
+  </p:clrMapOvr>
+</p:sld>
+</file>
+
+<file path=ppt/slides/slide13.xml><?xml version="1.0" encoding="utf-8"?>
+<p:sld xmlns:a="http://schemas.openxmlformats.org/drawingml/2006/main" xmlns:r="http://schemas.openxmlformats.org/officeDocument/2006/relationships" xmlns:p="http://schemas.openxmlformats.org/presentationml/2006/main">
+  <p:cSld>
+    <p:spTree>
+      <p:nvGrpSpPr>
+        <p:cNvPr id="1" name=""/>
+        <p:cNvGrpSpPr/>
+        <p:nvPr/>
+      </p:nvGrpSpPr>
+      <p:grpSpPr>
+        <a:xfrm>
+          <a:off x="0" y="0"/>
+          <a:ext cx="0" cy="0"/>
+          <a:chOff x="0" y="0"/>
+          <a:chExt cx="0" cy="0"/>
+        </a:xfrm>
+      </p:grpSpPr>
+      <p:sp>
+        <p:nvSpPr>
+          <p:cNvPr id="2" name="Title 1">
+            <a:extLst>
+              <a:ext uri="{FF2B5EF4-FFF2-40B4-BE49-F238E27FC236}">
+                <a16:creationId xmlns:a16="http://schemas.microsoft.com/office/drawing/2014/main" id="{5F4DA90C-DEBB-E299-E759-B99C9595E6E5}"/>
+              </a:ext>
+            </a:extLst>
+          </p:cNvPr>
+          <p:cNvSpPr>
+            <a:spLocks noGrp="1"/>
+          </p:cNvSpPr>
+          <p:nvPr>
+            <p:ph type="title"/>
+          </p:nvPr>
+        </p:nvSpPr>
+        <p:spPr/>
+        <p:txBody>
+          <a:bodyPr/>
+          <a:lstStyle/>
+          <a:p>
+            <a:r>
+              <a:rPr lang="en-IN" dirty="0"/>
+              <a:t>Jenkins CI/CD - </a:t>
+            </a:r>
+            <a:r>
+              <a:rPr lang="en-IN" dirty="0" err="1"/>
+              <a:t>contd</a:t>
+            </a:r>
+            <a:endParaRPr lang="en-IN" dirty="0"/>
+          </a:p>
+        </p:txBody>
+      </p:sp>
+      <p:sp>
+        <p:nvSpPr>
+          <p:cNvPr id="3" name="Content Placeholder 2">
+            <a:extLst>
+              <a:ext uri="{FF2B5EF4-FFF2-40B4-BE49-F238E27FC236}">
+                <a16:creationId xmlns:a16="http://schemas.microsoft.com/office/drawing/2014/main" id="{CDB7BF64-09F0-5722-193E-E36E0CFFB61D}"/>
+              </a:ext>
+            </a:extLst>
+          </p:cNvPr>
+          <p:cNvSpPr>
+            <a:spLocks noGrp="1"/>
+          </p:cNvSpPr>
+          <p:nvPr>
+            <p:ph idx="1"/>
+          </p:nvPr>
+        </p:nvSpPr>
+        <p:spPr/>
+        <p:txBody>
+          <a:bodyPr>
+            <a:normAutofit fontScale="92500"/>
+          </a:bodyPr>
+          <a:lstStyle/>
+          <a:p>
+            <a:pPr marL="514350" indent="-514350">
+              <a:buFont typeface="+mj-lt"/>
+              <a:buAutoNum type="arabicPeriod" startAt="3"/>
+            </a:pPr>
+            <a:r>
+              <a:rPr lang="en-US" dirty="0"/>
+              <a:t>Configure GitHub webhook in the GitHub repository</a:t>
+            </a:r>
+          </a:p>
+          <a:p>
+            <a:pPr lvl="1"/>
+            <a:r>
+              <a:rPr lang="en-US" dirty="0"/>
+              <a:t>Go to the </a:t>
+            </a:r>
+            <a:r>
+              <a:rPr lang="en-US" dirty="0" err="1"/>
+              <a:t>gihub</a:t>
+            </a:r>
+            <a:r>
+              <a:rPr lang="en-US" dirty="0"/>
+              <a:t> repository authentication-service</a:t>
+            </a:r>
+          </a:p>
+          <a:p>
+            <a:pPr lvl="1"/>
+            <a:r>
+              <a:rPr lang="en-US" dirty="0"/>
+              <a:t>Go to settings</a:t>
+            </a:r>
+          </a:p>
+          <a:p>
+            <a:pPr lvl="1"/>
+            <a:r>
+              <a:rPr lang="en-US" dirty="0"/>
+              <a:t>Under webhook, click on add webhook</a:t>
+            </a:r>
+          </a:p>
+          <a:p>
+            <a:pPr lvl="1"/>
+            <a:r>
+              <a:rPr lang="en-US" dirty="0"/>
+              <a:t>Under payload </a:t>
+            </a:r>
+            <a:r>
+              <a:rPr lang="en-US" dirty="0" err="1"/>
+              <a:t>url</a:t>
+            </a:r>
+            <a:r>
+              <a:rPr lang="en-US" dirty="0"/>
+              <a:t> enter the generated </a:t>
+            </a:r>
+            <a:r>
+              <a:rPr lang="en-US" dirty="0" err="1"/>
+              <a:t>url</a:t>
+            </a:r>
+            <a:r>
+              <a:rPr lang="en-US" dirty="0"/>
+              <a:t> by </a:t>
+            </a:r>
+            <a:r>
+              <a:rPr lang="en-US" dirty="0" err="1"/>
+              <a:t>ngrok</a:t>
+            </a:r>
+            <a:r>
+              <a:rPr lang="en-US" dirty="0"/>
+              <a:t> and attach /</a:t>
+            </a:r>
+            <a:r>
+              <a:rPr lang="en-US" dirty="0" err="1"/>
+              <a:t>github</a:t>
+            </a:r>
+            <a:r>
+              <a:rPr lang="en-US" dirty="0"/>
+              <a:t>-webhook/</a:t>
+            </a:r>
+          </a:p>
+          <a:p>
+            <a:pPr marL="457200" lvl="1" indent="0">
+              <a:buNone/>
+            </a:pPr>
+            <a:r>
+              <a:rPr lang="en-US" dirty="0"/>
+              <a:t>	https://e7d5-167-103-20-91.ngrok-free.app/github-webhook/</a:t>
+            </a:r>
+          </a:p>
+          <a:p>
+            <a:pPr lvl="1"/>
+            <a:r>
+              <a:rPr lang="en-US" dirty="0"/>
+              <a:t>Select application/</a:t>
+            </a:r>
+            <a:r>
+              <a:rPr lang="en-US" dirty="0" err="1"/>
+              <a:t>json</a:t>
+            </a:r>
+            <a:endParaRPr lang="en-US" dirty="0"/>
+          </a:p>
+          <a:p>
+            <a:pPr lvl="1"/>
+            <a:r>
+              <a:rPr lang="en-US" dirty="0"/>
+              <a:t>Choose push event</a:t>
+            </a:r>
+          </a:p>
+          <a:p>
+            <a:pPr lvl="1"/>
+            <a:r>
+              <a:rPr lang="en-US" dirty="0"/>
+              <a:t>And save it.</a:t>
+            </a:r>
+          </a:p>
+          <a:p>
+            <a:pPr marL="514350" indent="-514350">
+              <a:buFont typeface="+mj-lt"/>
+              <a:buAutoNum type="arabicPeriod" startAt="4"/>
+            </a:pPr>
+            <a:r>
+              <a:rPr lang="en-US" dirty="0"/>
+              <a:t>Now test the CI/CD by making some changes in the authentication-service source code and push it to the same GitHub repository.</a:t>
+            </a:r>
+            <a:endParaRPr lang="en-IN" dirty="0"/>
+          </a:p>
+        </p:txBody>
+      </p:sp>
+    </p:spTree>
+    <p:extLst>
+      <p:ext uri="{BB962C8B-B14F-4D97-AF65-F5344CB8AC3E}">
+        <p14:creationId xmlns:p14="http://schemas.microsoft.com/office/powerpoint/2010/main" val="688943585"/>
+      </p:ext>
+    </p:extLst>
+  </p:cSld>
+  <p:clrMapOvr>
+    <a:masterClrMapping/>
+  </p:clrMapOvr>
+</p:sld>
+</file>
+
+<file path=ppt/slides/slide14.xml><?xml version="1.0" encoding="utf-8"?>
+<p:sld xmlns:a="http://schemas.openxmlformats.org/drawingml/2006/main" xmlns:r="http://schemas.openxmlformats.org/officeDocument/2006/relationships" xmlns:p="http://schemas.openxmlformats.org/presentationml/2006/main">
+  <p:cSld>
+    <p:spTree>
+      <p:nvGrpSpPr>
+        <p:cNvPr id="1" name=""/>
+        <p:cNvGrpSpPr/>
+        <p:nvPr/>
+      </p:nvGrpSpPr>
+      <p:grpSpPr>
+        <a:xfrm>
+          <a:off x="0" y="0"/>
+          <a:ext cx="0" cy="0"/>
+          <a:chOff x="0" y="0"/>
+          <a:chExt cx="0" cy="0"/>
+        </a:xfrm>
+      </p:grpSpPr>
+      <p:sp>
+        <p:nvSpPr>
           <p:cNvPr id="4" name="Title 3">
             <a:extLst>
               <a:ext uri="{FF2B5EF4-FFF2-40B4-BE49-F238E27FC236}">
